--- a/slides/04 Sicurezza.pptx
+++ b/slides/04 Sicurezza.pptx
@@ -5,7 +5,7 @@
     <p:sldMasterId id="2147483648" r:id="rId1"/>
   </p:sldMasterIdLst>
   <p:notesMasterIdLst>
-    <p:notesMasterId r:id="rId8"/>
+    <p:notesMasterId r:id="rId10"/>
   </p:notesMasterIdLst>
   <p:sldIdLst>
     <p:sldId id="256" r:id="rId2"/>
@@ -14,6 +14,8 @@
     <p:sldId id="359" r:id="rId5"/>
     <p:sldId id="360" r:id="rId6"/>
     <p:sldId id="361" r:id="rId7"/>
+    <p:sldId id="362" r:id="rId8"/>
+    <p:sldId id="363" r:id="rId9"/>
   </p:sldIdLst>
   <p:sldSz cx="12192000" cy="6858000"/>
   <p:notesSz cx="6858000" cy="9144000"/>
@@ -123,6 +125,8 @@
             <p14:sldId id="359"/>
             <p14:sldId id="360"/>
             <p14:sldId id="361"/>
+            <p14:sldId id="362"/>
+            <p14:sldId id="363"/>
           </p14:sldIdLst>
         </p14:section>
       </p14:sectionLst>
@@ -9517,6 +9521,536 @@
     <p:extLst>
       <p:ext uri="{BB962C8B-B14F-4D97-AF65-F5344CB8AC3E}">
         <p14:creationId xmlns:p14="http://schemas.microsoft.com/office/powerpoint/2010/main" val="2645298645"/>
+      </p:ext>
+    </p:extLst>
+  </p:cSld>
+  <p:clrMapOvr>
+    <a:masterClrMapping/>
+  </p:clrMapOvr>
+</p:sld>
+</file>
+
+<file path=ppt/slides/slide7.xml><?xml version="1.0" encoding="utf-8"?>
+<p:sld xmlns:a="http://schemas.openxmlformats.org/drawingml/2006/main" xmlns:r="http://schemas.openxmlformats.org/officeDocument/2006/relationships" xmlns:p="http://schemas.openxmlformats.org/presentationml/2006/main">
+  <p:cSld>
+    <p:spTree>
+      <p:nvGrpSpPr>
+        <p:cNvPr id="1" name=""/>
+        <p:cNvGrpSpPr/>
+        <p:nvPr/>
+      </p:nvGrpSpPr>
+      <p:grpSpPr>
+        <a:xfrm>
+          <a:off x="0" y="0"/>
+          <a:ext cx="0" cy="0"/>
+          <a:chOff x="0" y="0"/>
+          <a:chExt cx="0" cy="0"/>
+        </a:xfrm>
+      </p:grpSpPr>
+      <p:sp>
+        <p:nvSpPr>
+          <p:cNvPr id="2" name="Title 1">
+            <a:extLst>
+              <a:ext uri="{FF2B5EF4-FFF2-40B4-BE49-F238E27FC236}">
+                <a16:creationId xmlns:a16="http://schemas.microsoft.com/office/drawing/2014/main" id="{5FF2F4BC-97F8-7740-A13E-AA3C3709A533}"/>
+              </a:ext>
+            </a:extLst>
+          </p:cNvPr>
+          <p:cNvSpPr>
+            <a:spLocks noGrp="1"/>
+          </p:cNvSpPr>
+          <p:nvPr>
+            <p:ph type="title"/>
+          </p:nvPr>
+        </p:nvSpPr>
+        <p:spPr/>
+        <p:txBody>
+          <a:bodyPr/>
+          <a:lstStyle/>
+          <a:p>
+            <a:r>
+              <a:rPr lang="it-IT" dirty="0" err="1"/>
+              <a:t>Azure</a:t>
+            </a:r>
+            <a:r>
+              <a:rPr lang="it-IT" dirty="0"/>
+              <a:t> </a:t>
+            </a:r>
+            <a:r>
+              <a:rPr lang="it-IT" dirty="0" err="1"/>
+              <a:t>Key</a:t>
+            </a:r>
+            <a:r>
+              <a:rPr lang="it-IT" dirty="0"/>
+              <a:t> </a:t>
+            </a:r>
+            <a:r>
+              <a:rPr lang="it-IT" dirty="0" err="1"/>
+              <a:t>Vault</a:t>
+            </a:r>
+            <a:endParaRPr lang="it-IT" dirty="0"/>
+          </a:p>
+        </p:txBody>
+      </p:sp>
+      <p:sp>
+        <p:nvSpPr>
+          <p:cNvPr id="3" name="Content Placeholder 2">
+            <a:extLst>
+              <a:ext uri="{FF2B5EF4-FFF2-40B4-BE49-F238E27FC236}">
+                <a16:creationId xmlns:a16="http://schemas.microsoft.com/office/drawing/2014/main" id="{E8E1C1A3-CAD2-B54B-8FB6-F6BE57945D7F}"/>
+              </a:ext>
+            </a:extLst>
+          </p:cNvPr>
+          <p:cNvSpPr>
+            <a:spLocks noGrp="1"/>
+          </p:cNvSpPr>
+          <p:nvPr>
+            <p:ph idx="1"/>
+          </p:nvPr>
+        </p:nvSpPr>
+        <p:spPr/>
+        <p:txBody>
+          <a:bodyPr/>
+          <a:lstStyle/>
+          <a:p>
+            <a:r>
+              <a:rPr lang="it-IT" dirty="0"/>
+              <a:t>Tutte le password e stringhe di connessione vanno eliminate dal codice</a:t>
+            </a:r>
+          </a:p>
+          <a:p>
+            <a:r>
+              <a:rPr lang="it-IT" dirty="0"/>
+              <a:t>Il posto dove inserirle è la </a:t>
+            </a:r>
+            <a:r>
+              <a:rPr lang="it-IT" dirty="0" err="1"/>
+              <a:t>Azure</a:t>
+            </a:r>
+            <a:r>
+              <a:rPr lang="it-IT" dirty="0"/>
+              <a:t> </a:t>
+            </a:r>
+            <a:r>
+              <a:rPr lang="it-IT" dirty="0" err="1"/>
+              <a:t>Key</a:t>
+            </a:r>
+            <a:r>
+              <a:rPr lang="it-IT" dirty="0"/>
+              <a:t> </a:t>
+            </a:r>
+            <a:r>
+              <a:rPr lang="it-IT" dirty="0" err="1"/>
+              <a:t>Vault</a:t>
+            </a:r>
+            <a:r>
+              <a:rPr lang="it-IT" dirty="0"/>
+              <a:t> che viene gestita da </a:t>
+            </a:r>
+            <a:r>
+              <a:rPr lang="it-IT" dirty="0" err="1"/>
+              <a:t>Azure</a:t>
+            </a:r>
+            <a:r>
+              <a:rPr lang="it-IT" dirty="0"/>
+              <a:t> in piena sicurezza</a:t>
+            </a:r>
+          </a:p>
+          <a:p>
+            <a:r>
+              <a:rPr lang="it-IT" dirty="0"/>
+              <a:t>Dal portale, nelle impostazioni relative all’</a:t>
+            </a:r>
+            <a:r>
+              <a:rPr lang="it-IT" dirty="0" err="1"/>
+              <a:t>app</a:t>
+            </a:r>
+            <a:r>
+              <a:rPr lang="it-IT" dirty="0"/>
+              <a:t> inserite i vostri dati che vanno protetti. Allo startup l’applicazione li recupera e li usa a </a:t>
+            </a:r>
+            <a:r>
+              <a:rPr lang="it-IT" dirty="0" err="1"/>
+              <a:t>run</a:t>
+            </a:r>
+            <a:r>
+              <a:rPr lang="it-IT" dirty="0"/>
+              <a:t>-time</a:t>
+            </a:r>
+          </a:p>
+          <a:p>
+            <a:endParaRPr lang="it-IT" dirty="0"/>
+          </a:p>
+          <a:p>
+            <a:r>
+              <a:rPr lang="it-IT" dirty="0"/>
+              <a:t>Esercitazione (opzionale)</a:t>
+            </a:r>
+          </a:p>
+          <a:p>
+            <a:pPr lvl="1"/>
+            <a:r>
+              <a:rPr lang="it-IT" dirty="0" err="1"/>
+              <a:t>https</a:t>
+            </a:r>
+            <a:r>
+              <a:rPr lang="it-IT" dirty="0"/>
+              <a:t>://</a:t>
+            </a:r>
+            <a:r>
+              <a:rPr lang="it-IT" dirty="0" err="1"/>
+              <a:t>docs.microsoft.com</a:t>
+            </a:r>
+            <a:r>
+              <a:rPr lang="it-IT" dirty="0"/>
+              <a:t>/en-</a:t>
+            </a:r>
+            <a:r>
+              <a:rPr lang="it-IT" dirty="0" err="1"/>
+              <a:t>us</a:t>
+            </a:r>
+            <a:r>
+              <a:rPr lang="it-IT" dirty="0"/>
+              <a:t>/</a:t>
+            </a:r>
+            <a:r>
+              <a:rPr lang="it-IT" dirty="0" err="1"/>
+              <a:t>aspnet</a:t>
+            </a:r>
+            <a:r>
+              <a:rPr lang="it-IT" dirty="0"/>
+              <a:t>/core/security/</a:t>
+            </a:r>
+            <a:r>
+              <a:rPr lang="it-IT" dirty="0" err="1"/>
+              <a:t>key-vault-configuration?view</a:t>
+            </a:r>
+            <a:r>
+              <a:rPr lang="it-IT" dirty="0"/>
+              <a:t>=aspnetcore-2.1&amp;tabs=aspnetcore2x</a:t>
+            </a:r>
+          </a:p>
+        </p:txBody>
+      </p:sp>
+      <p:sp>
+        <p:nvSpPr>
+          <p:cNvPr id="4" name="Date Placeholder 3">
+            <a:extLst>
+              <a:ext uri="{FF2B5EF4-FFF2-40B4-BE49-F238E27FC236}">
+                <a16:creationId xmlns:a16="http://schemas.microsoft.com/office/drawing/2014/main" id="{BB80E17E-1FBD-314D-B239-FD94598DE7BB}"/>
+              </a:ext>
+            </a:extLst>
+          </p:cNvPr>
+          <p:cNvSpPr>
+            <a:spLocks noGrp="1"/>
+          </p:cNvSpPr>
+          <p:nvPr>
+            <p:ph type="dt" sz="half" idx="10"/>
+          </p:nvPr>
+        </p:nvSpPr>
+        <p:spPr/>
+        <p:txBody>
+          <a:bodyPr/>
+          <a:lstStyle/>
+          <a:p>
+            <a:fld id="{12FADF34-F6ED-764D-AB9C-0CA3DD6714F2}" type="datetime1">
+              <a:rPr lang="it-IT" smtClean="0"/>
+              <a:t>12/06/18</a:t>
+            </a:fld>
+            <a:endParaRPr lang="en-US" dirty="0"/>
+          </a:p>
+        </p:txBody>
+      </p:sp>
+      <p:sp>
+        <p:nvSpPr>
+          <p:cNvPr id="5" name="Footer Placeholder 4">
+            <a:extLst>
+              <a:ext uri="{FF2B5EF4-FFF2-40B4-BE49-F238E27FC236}">
+                <a16:creationId xmlns:a16="http://schemas.microsoft.com/office/drawing/2014/main" id="{0FE89ACA-4357-1D41-8426-F496E70BCE07}"/>
+              </a:ext>
+            </a:extLst>
+          </p:cNvPr>
+          <p:cNvSpPr>
+            <a:spLocks noGrp="1"/>
+          </p:cNvSpPr>
+          <p:nvPr>
+            <p:ph type="ftr" sz="quarter" idx="11"/>
+          </p:nvPr>
+        </p:nvSpPr>
+        <p:spPr/>
+        <p:txBody>
+          <a:bodyPr/>
+          <a:lstStyle/>
+          <a:p>
+            <a:r>
+              <a:rPr lang="en-US"/>
+              <a:t>Salvatore Sorrentino</a:t>
+            </a:r>
+            <a:endParaRPr lang="en-US" dirty="0"/>
+          </a:p>
+        </p:txBody>
+      </p:sp>
+      <p:sp>
+        <p:nvSpPr>
+          <p:cNvPr id="6" name="Slide Number Placeholder 5">
+            <a:extLst>
+              <a:ext uri="{FF2B5EF4-FFF2-40B4-BE49-F238E27FC236}">
+                <a16:creationId xmlns:a16="http://schemas.microsoft.com/office/drawing/2014/main" id="{A37E4417-5C32-3548-B2B5-CB15DA9D7A1E}"/>
+              </a:ext>
+            </a:extLst>
+          </p:cNvPr>
+          <p:cNvSpPr>
+            <a:spLocks noGrp="1"/>
+          </p:cNvSpPr>
+          <p:nvPr>
+            <p:ph type="sldNum" sz="quarter" idx="12"/>
+          </p:nvPr>
+        </p:nvSpPr>
+        <p:spPr/>
+        <p:txBody>
+          <a:bodyPr/>
+          <a:lstStyle/>
+          <a:p>
+            <a:fld id="{D57F1E4F-1CFF-5643-939E-217C01CDF565}" type="slidenum">
+              <a:rPr lang="en-US" smtClean="0"/>
+              <a:pPr/>
+              <a:t>7</a:t>
+            </a:fld>
+            <a:endParaRPr lang="en-US" dirty="0"/>
+          </a:p>
+        </p:txBody>
+      </p:sp>
+    </p:spTree>
+    <p:extLst>
+      <p:ext uri="{BB962C8B-B14F-4D97-AF65-F5344CB8AC3E}">
+        <p14:creationId xmlns:p14="http://schemas.microsoft.com/office/powerpoint/2010/main" val="4105601920"/>
+      </p:ext>
+    </p:extLst>
+  </p:cSld>
+  <p:clrMapOvr>
+    <a:masterClrMapping/>
+  </p:clrMapOvr>
+</p:sld>
+</file>
+
+<file path=ppt/slides/slide8.xml><?xml version="1.0" encoding="utf-8"?>
+<p:sld xmlns:a="http://schemas.openxmlformats.org/drawingml/2006/main" xmlns:r="http://schemas.openxmlformats.org/officeDocument/2006/relationships" xmlns:p="http://schemas.openxmlformats.org/presentationml/2006/main">
+  <p:cSld>
+    <p:spTree>
+      <p:nvGrpSpPr>
+        <p:cNvPr id="1" name=""/>
+        <p:cNvGrpSpPr/>
+        <p:nvPr/>
+      </p:nvGrpSpPr>
+      <p:grpSpPr>
+        <a:xfrm>
+          <a:off x="0" y="0"/>
+          <a:ext cx="0" cy="0"/>
+          <a:chOff x="0" y="0"/>
+          <a:chExt cx="0" cy="0"/>
+        </a:xfrm>
+      </p:grpSpPr>
+      <p:sp>
+        <p:nvSpPr>
+          <p:cNvPr id="2" name="Title 1">
+            <a:extLst>
+              <a:ext uri="{FF2B5EF4-FFF2-40B4-BE49-F238E27FC236}">
+                <a16:creationId xmlns:a16="http://schemas.microsoft.com/office/drawing/2014/main" id="{966CA0E8-38AA-1643-88B1-ECBC3C400CBA}"/>
+              </a:ext>
+            </a:extLst>
+          </p:cNvPr>
+          <p:cNvSpPr>
+            <a:spLocks noGrp="1"/>
+          </p:cNvSpPr>
+          <p:nvPr>
+            <p:ph type="title"/>
+          </p:nvPr>
+        </p:nvSpPr>
+        <p:spPr/>
+        <p:txBody>
+          <a:bodyPr/>
+          <a:lstStyle/>
+          <a:p>
+            <a:r>
+              <a:rPr lang="it-IT" dirty="0" err="1"/>
+              <a:t>Managed</a:t>
+            </a:r>
+            <a:r>
+              <a:rPr lang="it-IT" dirty="0"/>
+              <a:t> Service Identity</a:t>
+            </a:r>
+          </a:p>
+        </p:txBody>
+      </p:sp>
+      <p:sp>
+        <p:nvSpPr>
+          <p:cNvPr id="3" name="Content Placeholder 2">
+            <a:extLst>
+              <a:ext uri="{FF2B5EF4-FFF2-40B4-BE49-F238E27FC236}">
+                <a16:creationId xmlns:a16="http://schemas.microsoft.com/office/drawing/2014/main" id="{423E72D3-67DD-794C-9B22-79CAC9E6F1C6}"/>
+              </a:ext>
+            </a:extLst>
+          </p:cNvPr>
+          <p:cNvSpPr>
+            <a:spLocks noGrp="1"/>
+          </p:cNvSpPr>
+          <p:nvPr>
+            <p:ph idx="1"/>
+          </p:nvPr>
+        </p:nvSpPr>
+        <p:spPr/>
+        <p:txBody>
+          <a:bodyPr/>
+          <a:lstStyle/>
+          <a:p>
+            <a:r>
+              <a:rPr lang="it-IT" dirty="0"/>
+              <a:t>Se non volete usare credenziali in una configurazione di un’</a:t>
+            </a:r>
+            <a:r>
+              <a:rPr lang="it-IT" dirty="0" err="1"/>
+              <a:t>app</a:t>
+            </a:r>
+            <a:r>
+              <a:rPr lang="it-IT" dirty="0"/>
+              <a:t>, potete usare </a:t>
+            </a:r>
+            <a:r>
+              <a:rPr lang="it-IT" dirty="0" err="1"/>
+              <a:t>Managed</a:t>
+            </a:r>
+            <a:r>
+              <a:rPr lang="it-IT" dirty="0"/>
+              <a:t> Service per iniettare a </a:t>
+            </a:r>
+            <a:r>
+              <a:rPr lang="it-IT" dirty="0" err="1"/>
+              <a:t>runtime</a:t>
+            </a:r>
+            <a:r>
+              <a:rPr lang="it-IT" dirty="0"/>
+              <a:t> nella vostra applicazione le credenziali per accedere ad altri servizi quali, ad esempio, </a:t>
+            </a:r>
+            <a:r>
+              <a:rPr lang="it-IT" dirty="0" err="1"/>
+              <a:t>Azure</a:t>
+            </a:r>
+            <a:r>
+              <a:rPr lang="it-IT" dirty="0"/>
+              <a:t> </a:t>
+            </a:r>
+            <a:r>
+              <a:rPr lang="it-IT" dirty="0" err="1"/>
+              <a:t>Key</a:t>
+            </a:r>
+            <a:r>
+              <a:rPr lang="it-IT" dirty="0"/>
+              <a:t> </a:t>
+            </a:r>
+            <a:r>
+              <a:rPr lang="it-IT" dirty="0" err="1"/>
+              <a:t>Vault</a:t>
+            </a:r>
+            <a:r>
+              <a:rPr lang="it-IT"/>
+              <a:t>.</a:t>
+            </a:r>
+            <a:endParaRPr lang="it-IT" dirty="0"/>
+          </a:p>
+        </p:txBody>
+      </p:sp>
+      <p:sp>
+        <p:nvSpPr>
+          <p:cNvPr id="4" name="Date Placeholder 3">
+            <a:extLst>
+              <a:ext uri="{FF2B5EF4-FFF2-40B4-BE49-F238E27FC236}">
+                <a16:creationId xmlns:a16="http://schemas.microsoft.com/office/drawing/2014/main" id="{3B9C1AFF-4146-0645-9189-52FDF7AF76F9}"/>
+              </a:ext>
+            </a:extLst>
+          </p:cNvPr>
+          <p:cNvSpPr>
+            <a:spLocks noGrp="1"/>
+          </p:cNvSpPr>
+          <p:nvPr>
+            <p:ph type="dt" sz="half" idx="10"/>
+          </p:nvPr>
+        </p:nvSpPr>
+        <p:spPr/>
+        <p:txBody>
+          <a:bodyPr/>
+          <a:lstStyle/>
+          <a:p>
+            <a:fld id="{12FADF34-F6ED-764D-AB9C-0CA3DD6714F2}" type="datetime1">
+              <a:rPr lang="it-IT" smtClean="0"/>
+              <a:t>12/06/18</a:t>
+            </a:fld>
+            <a:endParaRPr lang="en-US" dirty="0"/>
+          </a:p>
+        </p:txBody>
+      </p:sp>
+      <p:sp>
+        <p:nvSpPr>
+          <p:cNvPr id="5" name="Footer Placeholder 4">
+            <a:extLst>
+              <a:ext uri="{FF2B5EF4-FFF2-40B4-BE49-F238E27FC236}">
+                <a16:creationId xmlns:a16="http://schemas.microsoft.com/office/drawing/2014/main" id="{8A286BD9-52F8-A445-9D32-49B340642796}"/>
+              </a:ext>
+            </a:extLst>
+          </p:cNvPr>
+          <p:cNvSpPr>
+            <a:spLocks noGrp="1"/>
+          </p:cNvSpPr>
+          <p:nvPr>
+            <p:ph type="ftr" sz="quarter" idx="11"/>
+          </p:nvPr>
+        </p:nvSpPr>
+        <p:spPr/>
+        <p:txBody>
+          <a:bodyPr/>
+          <a:lstStyle/>
+          <a:p>
+            <a:r>
+              <a:rPr lang="en-US"/>
+              <a:t>Salvatore Sorrentino</a:t>
+            </a:r>
+            <a:endParaRPr lang="en-US" dirty="0"/>
+          </a:p>
+        </p:txBody>
+      </p:sp>
+      <p:sp>
+        <p:nvSpPr>
+          <p:cNvPr id="6" name="Slide Number Placeholder 5">
+            <a:extLst>
+              <a:ext uri="{FF2B5EF4-FFF2-40B4-BE49-F238E27FC236}">
+                <a16:creationId xmlns:a16="http://schemas.microsoft.com/office/drawing/2014/main" id="{30F57970-2A1A-3A46-93BA-05D64150DD7E}"/>
+              </a:ext>
+            </a:extLst>
+          </p:cNvPr>
+          <p:cNvSpPr>
+            <a:spLocks noGrp="1"/>
+          </p:cNvSpPr>
+          <p:nvPr>
+            <p:ph type="sldNum" sz="quarter" idx="12"/>
+          </p:nvPr>
+        </p:nvSpPr>
+        <p:spPr/>
+        <p:txBody>
+          <a:bodyPr/>
+          <a:lstStyle/>
+          <a:p>
+            <a:fld id="{D57F1E4F-1CFF-5643-939E-217C01CDF565}" type="slidenum">
+              <a:rPr lang="en-US" smtClean="0"/>
+              <a:pPr/>
+              <a:t>8</a:t>
+            </a:fld>
+            <a:endParaRPr lang="en-US" dirty="0"/>
+          </a:p>
+        </p:txBody>
+      </p:sp>
+    </p:spTree>
+    <p:extLst>
+      <p:ext uri="{BB962C8B-B14F-4D97-AF65-F5344CB8AC3E}">
+        <p14:creationId xmlns:p14="http://schemas.microsoft.com/office/powerpoint/2010/main" val="3336018894"/>
       </p:ext>
     </p:extLst>
   </p:cSld>
